--- a/hands-on/BioJS_combineComponents.pptx
+++ b/hands-on/BioJS_combineComponents.pptx
@@ -5,10 +5,10 @@
     <p:sldMasterId id="2147483776" r:id="rId1"/>
   </p:sldMasterIdLst>
   <p:notesMasterIdLst>
-    <p:notesMasterId r:id="rId15"/>
+    <p:notesMasterId r:id="rId16"/>
   </p:notesMasterIdLst>
   <p:handoutMasterIdLst>
-    <p:handoutMasterId r:id="rId16"/>
+    <p:handoutMasterId r:id="rId17"/>
   </p:handoutMasterIdLst>
   <p:sldIdLst>
     <p:sldId id="688" r:id="rId2"/>
@@ -23,7 +23,8 @@
     <p:sldId id="696" r:id="rId11"/>
     <p:sldId id="697" r:id="rId12"/>
     <p:sldId id="698" r:id="rId13"/>
-    <p:sldId id="699" r:id="rId14"/>
+    <p:sldId id="700" r:id="rId14"/>
+    <p:sldId id="699" r:id="rId15"/>
   </p:sldIdLst>
   <p:sldSz cx="9144000" cy="6858000" type="screen4x3"/>
   <p:notesSz cx="6797675" cy="9928225"/>
@@ -580,7 +581,7 @@
           </a:ln>
           <a:extLst>
             <a:ext uri="{909E8E84-426E-40dd-AFC4-6F175D3DCCD1}">
-              <a14:hiddenFill xmlns="" xmlns:a14="http://schemas.microsoft.com/office/drawing/2010/main">
+              <a14:hiddenFill xmlns:a14="http://schemas.microsoft.com/office/drawing/2010/main" xmlns="">
                 <a:solidFill>
                   <a:srgbClr val="FFFFFF"/>
                 </a:solidFill>
@@ -957,14 +958,14 @@
           </a:ln>
           <a:extLst>
             <a:ext uri="{909E8E84-426E-40dd-AFC4-6F175D3DCCD1}">
-              <a14:hiddenFill xmlns="" xmlns:a14="http://schemas.microsoft.com/office/drawing/2010/main">
+              <a14:hiddenFill xmlns:a14="http://schemas.microsoft.com/office/drawing/2010/main" xmlns="">
                 <a:solidFill>
                   <a:srgbClr val="FFFFFF"/>
                 </a:solidFill>
               </a14:hiddenFill>
             </a:ext>
             <a:ext uri="{91240B29-F687-4f45-9708-019B960494DF}">
-              <a14:hiddenLine xmlns="" xmlns:a14="http://schemas.microsoft.com/office/drawing/2010/main" w="9525">
+              <a14:hiddenLine xmlns:a14="http://schemas.microsoft.com/office/drawing/2010/main" xmlns="" w="9525">
                 <a:solidFill>
                   <a:srgbClr val="000000"/>
                 </a:solidFill>
@@ -1011,14 +1012,14 @@
           </a:ln>
           <a:extLst>
             <a:ext uri="{909E8E84-426E-40dd-AFC4-6F175D3DCCD1}">
-              <a14:hiddenFill xmlns="" xmlns:a14="http://schemas.microsoft.com/office/drawing/2010/main">
+              <a14:hiddenFill xmlns:a14="http://schemas.microsoft.com/office/drawing/2010/main" xmlns="">
                 <a:solidFill>
                   <a:srgbClr val="FFFFFF"/>
                 </a:solidFill>
               </a14:hiddenFill>
             </a:ext>
             <a:ext uri="{91240B29-F687-4f45-9708-019B960494DF}">
-              <a14:hiddenLine xmlns="" xmlns:a14="http://schemas.microsoft.com/office/drawing/2010/main" w="9525">
+              <a14:hiddenLine xmlns:a14="http://schemas.microsoft.com/office/drawing/2010/main" xmlns="" w="9525">
                 <a:solidFill>
                   <a:srgbClr val="000000"/>
                 </a:solidFill>
@@ -1312,7 +1313,7 @@
               <a:pPr>
                 <a:defRPr/>
               </a:pPr>
-              <a:t>26.11.2015</a:t>
+              <a:t>02.12.2015</a:t>
             </a:fld>
             <a:endParaRPr lang="de-DE" dirty="0"/>
           </a:p>
@@ -1429,14 +1430,14 @@
           </a:ln>
           <a:extLst>
             <a:ext uri="{909E8E84-426E-40dd-AFC4-6F175D3DCCD1}">
-              <a14:hiddenFill xmlns="" xmlns:a14="http://schemas.microsoft.com/office/drawing/2010/main">
+              <a14:hiddenFill xmlns:a14="http://schemas.microsoft.com/office/drawing/2010/main" xmlns="">
                 <a:solidFill>
                   <a:srgbClr val="FFFFFF"/>
                 </a:solidFill>
               </a14:hiddenFill>
             </a:ext>
             <a:ext uri="{91240B29-F687-4f45-9708-019B960494DF}">
-              <a14:hiddenLine xmlns="" xmlns:a14="http://schemas.microsoft.com/office/drawing/2010/main" w="9525">
+              <a14:hiddenLine xmlns:a14="http://schemas.microsoft.com/office/drawing/2010/main" xmlns="" w="9525">
                 <a:solidFill>
                   <a:srgbClr val="000000"/>
                 </a:solidFill>
@@ -1488,14 +1489,14 @@
           </a:ln>
           <a:extLst>
             <a:ext uri="{909E8E84-426E-40dd-AFC4-6F175D3DCCD1}">
-              <a14:hiddenFill xmlns="" xmlns:a14="http://schemas.microsoft.com/office/drawing/2010/main">
+              <a14:hiddenFill xmlns:a14="http://schemas.microsoft.com/office/drawing/2010/main" xmlns="">
                 <a:solidFill>
                   <a:srgbClr val="FFFFFF"/>
                 </a:solidFill>
               </a14:hiddenFill>
             </a:ext>
             <a:ext uri="{91240B29-F687-4f45-9708-019B960494DF}">
-              <a14:hiddenLine xmlns="" xmlns:a14="http://schemas.microsoft.com/office/drawing/2010/main" w="9525">
+              <a14:hiddenLine xmlns:a14="http://schemas.microsoft.com/office/drawing/2010/main" xmlns="" w="9525">
                 <a:solidFill>
                   <a:srgbClr val="000000"/>
                 </a:solidFill>
@@ -1573,14 +1574,14 @@
           </a:ln>
           <a:extLst>
             <a:ext uri="{909E8E84-426E-40dd-AFC4-6F175D3DCCD1}">
-              <a14:hiddenFill xmlns="" xmlns:a14="http://schemas.microsoft.com/office/drawing/2010/main">
+              <a14:hiddenFill xmlns:a14="http://schemas.microsoft.com/office/drawing/2010/main" xmlns="">
                 <a:solidFill>
                   <a:srgbClr val="FFFFFF"/>
                 </a:solidFill>
               </a14:hiddenFill>
             </a:ext>
             <a:ext uri="{91240B29-F687-4f45-9708-019B960494DF}">
-              <a14:hiddenLine xmlns="" xmlns:a14="http://schemas.microsoft.com/office/drawing/2010/main" w="9525">
+              <a14:hiddenLine xmlns:a14="http://schemas.microsoft.com/office/drawing/2010/main" xmlns="" w="9525">
                 <a:solidFill>
                   <a:srgbClr val="000000"/>
                 </a:solidFill>
@@ -2197,11 +2198,7 @@
             <a:pPr algn="ctr" eaLnBrk="1" hangingPunct="1"/>
             <a:r>
               <a:rPr lang="en-US" sz="1800" dirty="0" smtClean="0"/>
-              <a:t>Leyla </a:t>
-            </a:r>
-            <a:r>
-              <a:rPr lang="en-US" sz="1800" dirty="0" smtClean="0"/>
-              <a:t>Jael </a:t>
+              <a:t>Leyla Jael </a:t>
             </a:r>
             <a:r>
               <a:rPr lang="en-US" sz="1800" dirty="0" err="1" smtClean="0"/>
@@ -2211,7 +2208,6 @@
               <a:rPr lang="en-US" sz="1800" dirty="0" smtClean="0"/>
               <a:t> Castro</a:t>
             </a:r>
-            <a:endParaRPr lang="en-US" sz="1800" dirty="0" smtClean="0"/>
           </a:p>
           <a:p>
             <a:pPr algn="ctr" eaLnBrk="1" hangingPunct="1"/>
@@ -2219,7 +2215,6 @@
               <a:rPr lang="en-US" sz="1800" dirty="0" smtClean="0"/>
               <a:t>December 2015</a:t>
             </a:r>
-            <a:endParaRPr lang="en-US" sz="1800" dirty="0" smtClean="0"/>
           </a:p>
         </p:txBody>
       </p:sp>
@@ -2887,7 +2882,7 @@
               <a:pPr>
                 <a:defRPr/>
               </a:pPr>
-              <a:t>26/11/2015</a:t>
+              <a:t>02/12/2015</a:t>
             </a:fld>
             <a:endParaRPr lang="en-GB" dirty="0"/>
           </a:p>
@@ -3283,7 +3278,7 @@
               <a:pPr>
                 <a:defRPr/>
               </a:pPr>
-              <a:t>26/11/2015</a:t>
+              <a:t>02/12/2015</a:t>
             </a:fld>
             <a:endParaRPr lang="en-GB" dirty="0"/>
           </a:p>
@@ -4069,7 +4064,7 @@
               <a:pPr>
                 <a:defRPr/>
               </a:pPr>
-              <a:t>26/11/2015</a:t>
+              <a:t>02/12/2015</a:t>
             </a:fld>
             <a:endParaRPr lang="en-GB" dirty="0"/>
           </a:p>
@@ -4209,6 +4204,544 @@
           <a:chExt cx="0" cy="0"/>
         </a:xfrm>
       </p:grpSpPr>
+      <p:pic>
+        <p:nvPicPr>
+          <p:cNvPr id="7" name="Picture 4" descr="http://www.viraheinz.pitt.edu/sites/Images/Preretreat/Goal.jpg"/>
+          <p:cNvPicPr>
+            <a:picLocks noChangeAspect="1" noChangeArrowheads="1"/>
+          </p:cNvPicPr>
+          <p:nvPr/>
+        </p:nvPicPr>
+        <p:blipFill>
+          <a:blip r:embed="rId2">
+            <a:extLst>
+              <a:ext uri="{28A0092B-C50C-407E-A947-70E740481C1C}">
+                <a14:useLocalDpi xmlns:a14="http://schemas.microsoft.com/office/drawing/2010/main" val="0"/>
+              </a:ext>
+            </a:extLst>
+          </a:blip>
+          <a:srcRect/>
+          <a:stretch>
+            <a:fillRect/>
+          </a:stretch>
+        </p:blipFill>
+        <p:spPr bwMode="auto">
+          <a:xfrm>
+            <a:off x="98941" y="1194094"/>
+            <a:ext cx="480270" cy="360530"/>
+          </a:xfrm>
+          <a:prstGeom prst="rect">
+            <a:avLst/>
+          </a:prstGeom>
+          <a:noFill/>
+          <a:extLst>
+            <a:ext uri="{909E8E84-426E-40DD-AFC4-6F175D3DCCD1}">
+              <a14:hiddenFill xmlns:a14="http://schemas.microsoft.com/office/drawing/2010/main">
+                <a:solidFill>
+                  <a:srgbClr val="FFFFFF"/>
+                </a:solidFill>
+              </a14:hiddenFill>
+            </a:ext>
+          </a:extLst>
+        </p:spPr>
+      </p:pic>
+      <p:sp>
+        <p:nvSpPr>
+          <p:cNvPr id="2" name="Title 1"/>
+          <p:cNvSpPr>
+            <a:spLocks noGrp="1"/>
+          </p:cNvSpPr>
+          <p:nvPr>
+            <p:ph type="title"/>
+          </p:nvPr>
+        </p:nvSpPr>
+        <p:spPr/>
+        <p:txBody>
+          <a:bodyPr/>
+          <a:lstStyle/>
+          <a:p>
+            <a:pPr algn="l"/>
+            <a:r>
+              <a:rPr lang="en-GB" dirty="0" smtClean="0"/>
+              <a:t>Image credits</a:t>
+            </a:r>
+            <a:endParaRPr lang="en-GB" dirty="0"/>
+          </a:p>
+        </p:txBody>
+      </p:sp>
+      <p:sp>
+        <p:nvSpPr>
+          <p:cNvPr id="3" name="Content Placeholder 2"/>
+          <p:cNvSpPr>
+            <a:spLocks noGrp="1"/>
+          </p:cNvSpPr>
+          <p:nvPr>
+            <p:ph idx="1"/>
+          </p:nvPr>
+        </p:nvSpPr>
+        <p:spPr/>
+        <p:txBody>
+          <a:bodyPr/>
+          <a:lstStyle/>
+          <a:p>
+            <a:r>
+              <a:rPr lang="en-GB" sz="2000" dirty="0" smtClean="0"/>
+              <a:t>Goal </a:t>
+            </a:r>
+            <a:r>
+              <a:rPr lang="en-GB" sz="2000" dirty="0"/>
+              <a:t>- http://www.viraheinz.pitt.edu/node/109</a:t>
+            </a:r>
+            <a:endParaRPr lang="en-GB" sz="2000" dirty="0" smtClean="0"/>
+          </a:p>
+          <a:p>
+            <a:r>
+              <a:rPr lang="en-GB" sz="2000" dirty="0" err="1" smtClean="0"/>
+              <a:t>Github</a:t>
+            </a:r>
+            <a:r>
+              <a:rPr lang="en-GB" sz="2000" dirty="0"/>
+              <a:t> logo - https://</a:t>
+            </a:r>
+            <a:r>
+              <a:rPr lang="en-GB" sz="2000" dirty="0" smtClean="0"/>
+              <a:t>github.com/logos</a:t>
+            </a:r>
+          </a:p>
+          <a:p>
+            <a:r>
+              <a:rPr lang="en-GB" sz="2000" dirty="0"/>
+              <a:t>Empty box - http://</a:t>
+            </a:r>
+            <a:r>
+              <a:rPr lang="en-GB" sz="2000" dirty="0" smtClean="0"/>
+              <a:t>www.pacbasic.com/images/empty_box_blured.jpg</a:t>
+            </a:r>
+          </a:p>
+          <a:p>
+            <a:r>
+              <a:rPr lang="en-GB" sz="2000" dirty="0" smtClean="0"/>
+              <a:t>JS icon - </a:t>
+            </a:r>
+            <a:r>
+              <a:rPr lang="en-GB" sz="2000" dirty="0"/>
+              <a:t>http://</a:t>
+            </a:r>
+            <a:r>
+              <a:rPr lang="en-GB" sz="2000" dirty="0" smtClean="0"/>
+              <a:t>static.iconarchive.com/show/adobe-cs4-icons-by-hopstarter/File-Adobe-Dreamweaver-JavaScript-icon.html</a:t>
+            </a:r>
+          </a:p>
+          <a:p>
+            <a:r>
+              <a:rPr lang="en-GB" sz="2000" dirty="0"/>
+              <a:t>CSS icon - http://www.veryicon.com/icons/application/adobe-cs4-1/file-adobe-dreamweaver-css-01.html</a:t>
+            </a:r>
+            <a:endParaRPr lang="en-GB" sz="2000" dirty="0" smtClean="0"/>
+          </a:p>
+          <a:p>
+            <a:r>
+              <a:rPr lang="en-GB" sz="2000" dirty="0"/>
+              <a:t>Protein sequence - https://www.robotics.tu-berlin.de/menue/theses/completed_theses</a:t>
+            </a:r>
+            <a:r>
+              <a:rPr lang="en-GB" sz="2000" dirty="0" smtClean="0"/>
+              <a:t>/</a:t>
+            </a:r>
+          </a:p>
+          <a:p>
+            <a:r>
+              <a:rPr lang="en-GB" sz="2000" dirty="0"/>
+              <a:t>Highlight marker - http://</a:t>
+            </a:r>
+            <a:r>
+              <a:rPr lang="en-GB" sz="2000" dirty="0" smtClean="0"/>
+              <a:t>www.softicons.com/sport-icons/pretty-office-vii-icons-by-custom-icon-design/highlight-marker-icon</a:t>
+            </a:r>
+          </a:p>
+          <a:p>
+            <a:r>
+              <a:rPr lang="en-GB" sz="2000" dirty="0" smtClean="0"/>
+              <a:t>Checkpoint </a:t>
+            </a:r>
+            <a:r>
+              <a:rPr lang="en-GB" sz="2000" dirty="0"/>
+              <a:t>- http://cliparts.co/clipart/2395312</a:t>
+            </a:r>
+          </a:p>
+          <a:p>
+            <a:endParaRPr lang="en-GB" sz="1800" dirty="0"/>
+          </a:p>
+        </p:txBody>
+      </p:sp>
+      <p:sp>
+        <p:nvSpPr>
+          <p:cNvPr id="4" name="Date Placeholder 3"/>
+          <p:cNvSpPr>
+            <a:spLocks noGrp="1"/>
+          </p:cNvSpPr>
+          <p:nvPr>
+            <p:ph type="dt" sz="half" idx="10"/>
+          </p:nvPr>
+        </p:nvSpPr>
+        <p:spPr/>
+        <p:txBody>
+          <a:bodyPr/>
+          <a:lstStyle/>
+          <a:p>
+            <a:pPr>
+              <a:defRPr/>
+            </a:pPr>
+            <a:fld id="{0D3F1B4F-FFD5-434A-9FAD-975DD2A303B5}" type="datetime1">
+              <a:rPr lang="de-DE" smtClean="0"/>
+              <a:pPr>
+                <a:defRPr/>
+              </a:pPr>
+              <a:t>02.12.2015</a:t>
+            </a:fld>
+            <a:endParaRPr lang="de-DE" dirty="0"/>
+          </a:p>
+        </p:txBody>
+      </p:sp>
+      <p:sp>
+        <p:nvSpPr>
+          <p:cNvPr id="5" name="Slide Number Placeholder 4"/>
+          <p:cNvSpPr>
+            <a:spLocks noGrp="1"/>
+          </p:cNvSpPr>
+          <p:nvPr>
+            <p:ph type="sldNum" sz="quarter" idx="11"/>
+          </p:nvPr>
+        </p:nvSpPr>
+        <p:spPr/>
+        <p:txBody>
+          <a:bodyPr/>
+          <a:lstStyle/>
+          <a:p>
+            <a:pPr>
+              <a:defRPr/>
+            </a:pPr>
+            <a:fld id="{EC684756-D801-4A75-BE6B-355075C22EAC}" type="slidenum">
+              <a:rPr lang="de-DE" smtClean="0"/>
+              <a:pPr>
+                <a:defRPr/>
+              </a:pPr>
+              <a:t>13</a:t>
+            </a:fld>
+            <a:endParaRPr lang="de-DE" dirty="0"/>
+          </a:p>
+        </p:txBody>
+      </p:sp>
+      <p:pic>
+        <p:nvPicPr>
+          <p:cNvPr id="6" name="Picture 2" descr="http://cliparts.co/cliparts/Big/Egq/BigEgqBMT.png"/>
+          <p:cNvPicPr>
+            <a:picLocks noChangeAspect="1" noChangeArrowheads="1"/>
+          </p:cNvPicPr>
+          <p:nvPr/>
+        </p:nvPicPr>
+        <p:blipFill>
+          <a:blip r:embed="rId3">
+            <a:extLst>
+              <a:ext uri="{28A0092B-C50C-407E-A947-70E740481C1C}">
+                <a14:useLocalDpi xmlns:a14="http://schemas.microsoft.com/office/drawing/2010/main" val="0"/>
+              </a:ext>
+            </a:extLst>
+          </a:blip>
+          <a:srcRect/>
+          <a:stretch>
+            <a:fillRect/>
+          </a:stretch>
+        </p:blipFill>
+        <p:spPr bwMode="auto">
+          <a:xfrm>
+            <a:off x="96263" y="5067983"/>
+            <a:ext cx="414685" cy="275704"/>
+          </a:xfrm>
+          <a:prstGeom prst="rect">
+            <a:avLst/>
+          </a:prstGeom>
+          <a:noFill/>
+          <a:extLst>
+            <a:ext uri="{909E8E84-426E-40DD-AFC4-6F175D3DCCD1}">
+              <a14:hiddenFill xmlns:a14="http://schemas.microsoft.com/office/drawing/2010/main">
+                <a:solidFill>
+                  <a:srgbClr val="FFFFFF"/>
+                </a:solidFill>
+              </a14:hiddenFill>
+            </a:ext>
+          </a:extLst>
+        </p:spPr>
+      </p:pic>
+      <p:pic>
+        <p:nvPicPr>
+          <p:cNvPr id="8" name="Picture 2" descr="https://assets-cdn.github.com/images/modules/logos_page/Octocat.png"/>
+          <p:cNvPicPr>
+            <a:picLocks noChangeAspect="1" noChangeArrowheads="1"/>
+          </p:cNvPicPr>
+          <p:nvPr/>
+        </p:nvPicPr>
+        <p:blipFill>
+          <a:blip r:embed="rId4">
+            <a:extLst>
+              <a:ext uri="{28A0092B-C50C-407E-A947-70E740481C1C}">
+                <a14:useLocalDpi xmlns:a14="http://schemas.microsoft.com/office/drawing/2010/main" val="0"/>
+              </a:ext>
+            </a:extLst>
+          </a:blip>
+          <a:srcRect/>
+          <a:stretch>
+            <a:fillRect/>
+          </a:stretch>
+        </p:blipFill>
+        <p:spPr bwMode="auto">
+          <a:xfrm>
+            <a:off x="119312" y="1569441"/>
+            <a:ext cx="442359" cy="367927"/>
+          </a:xfrm>
+          <a:prstGeom prst="rect">
+            <a:avLst/>
+          </a:prstGeom>
+          <a:noFill/>
+          <a:extLst>
+            <a:ext uri="{909E8E84-426E-40DD-AFC4-6F175D3DCCD1}">
+              <a14:hiddenFill xmlns:a14="http://schemas.microsoft.com/office/drawing/2010/main">
+                <a:solidFill>
+                  <a:srgbClr val="FFFFFF"/>
+                </a:solidFill>
+              </a14:hiddenFill>
+            </a:ext>
+          </a:extLst>
+        </p:spPr>
+      </p:pic>
+      <p:pic>
+        <p:nvPicPr>
+          <p:cNvPr id="9" name="Picture 4" descr="http://www.pacbasic.com/images/empty_box_blured.jpg"/>
+          <p:cNvPicPr>
+            <a:picLocks noChangeAspect="1" noChangeArrowheads="1"/>
+          </p:cNvPicPr>
+          <p:nvPr/>
+        </p:nvPicPr>
+        <p:blipFill>
+          <a:blip r:embed="rId5">
+            <a:extLst>
+              <a:ext uri="{28A0092B-C50C-407E-A947-70E740481C1C}">
+                <a14:useLocalDpi xmlns:a14="http://schemas.microsoft.com/office/drawing/2010/main" val="0"/>
+              </a:ext>
+            </a:extLst>
+          </a:blip>
+          <a:srcRect/>
+          <a:stretch>
+            <a:fillRect/>
+          </a:stretch>
+        </p:blipFill>
+        <p:spPr bwMode="auto">
+          <a:xfrm>
+            <a:off x="151558" y="2009376"/>
+            <a:ext cx="338434" cy="264661"/>
+          </a:xfrm>
+          <a:prstGeom prst="rect">
+            <a:avLst/>
+          </a:prstGeom>
+          <a:noFill/>
+          <a:extLst>
+            <a:ext uri="{909E8E84-426E-40DD-AFC4-6F175D3DCCD1}">
+              <a14:hiddenFill xmlns:a14="http://schemas.microsoft.com/office/drawing/2010/main">
+                <a:solidFill>
+                  <a:srgbClr val="FFFFFF"/>
+                </a:solidFill>
+              </a14:hiddenFill>
+            </a:ext>
+          </a:extLst>
+        </p:spPr>
+      </p:pic>
+      <p:pic>
+        <p:nvPicPr>
+          <p:cNvPr id="1026" name="Picture 2" descr="http://icons.iconarchive.com/icons/hopstarter/adobe-cs4/256/File-Adobe-Dreamweaver-JavaScript-icon.png"/>
+          <p:cNvPicPr>
+            <a:picLocks noChangeAspect="1" noChangeArrowheads="1"/>
+          </p:cNvPicPr>
+          <p:nvPr/>
+        </p:nvPicPr>
+        <p:blipFill>
+          <a:blip r:embed="rId6">
+            <a:extLst>
+              <a:ext uri="{28A0092B-C50C-407E-A947-70E740481C1C}">
+                <a14:useLocalDpi xmlns:a14="http://schemas.microsoft.com/office/drawing/2010/main" val="0"/>
+              </a:ext>
+            </a:extLst>
+          </a:blip>
+          <a:srcRect/>
+          <a:stretch>
+            <a:fillRect/>
+          </a:stretch>
+        </p:blipFill>
+        <p:spPr bwMode="auto">
+          <a:xfrm>
+            <a:off x="102459" y="2612957"/>
+            <a:ext cx="326152" cy="326152"/>
+          </a:xfrm>
+          <a:prstGeom prst="rect">
+            <a:avLst/>
+          </a:prstGeom>
+          <a:noFill/>
+          <a:extLst>
+            <a:ext uri="{909E8E84-426E-40DD-AFC4-6F175D3DCCD1}">
+              <a14:hiddenFill xmlns:a14="http://schemas.microsoft.com/office/drawing/2010/main">
+                <a:solidFill>
+                  <a:srgbClr val="FFFFFF"/>
+                </a:solidFill>
+              </a14:hiddenFill>
+            </a:ext>
+          </a:extLst>
+        </p:spPr>
+      </p:pic>
+      <p:pic>
+        <p:nvPicPr>
+          <p:cNvPr id="1028" name="Picture 4" descr="http://www.veryicon.com/icon/png/Application/Adobe%20CS4%201/File%20Adobe%20Dreamweaver%20CSS%2001.png"/>
+          <p:cNvPicPr>
+            <a:picLocks noChangeAspect="1" noChangeArrowheads="1"/>
+          </p:cNvPicPr>
+          <p:nvPr/>
+        </p:nvPicPr>
+        <p:blipFill>
+          <a:blip r:embed="rId7">
+            <a:extLst>
+              <a:ext uri="{28A0092B-C50C-407E-A947-70E740481C1C}">
+                <a14:useLocalDpi xmlns:a14="http://schemas.microsoft.com/office/drawing/2010/main" val="0"/>
+              </a:ext>
+            </a:extLst>
+          </a:blip>
+          <a:srcRect/>
+          <a:stretch>
+            <a:fillRect/>
+          </a:stretch>
+        </p:blipFill>
+        <p:spPr bwMode="auto">
+          <a:xfrm>
+            <a:off x="119312" y="3278029"/>
+            <a:ext cx="292447" cy="292447"/>
+          </a:xfrm>
+          <a:prstGeom prst="rect">
+            <a:avLst/>
+          </a:prstGeom>
+          <a:noFill/>
+          <a:extLst>
+            <a:ext uri="{909E8E84-426E-40DD-AFC4-6F175D3DCCD1}">
+              <a14:hiddenFill xmlns:a14="http://schemas.microsoft.com/office/drawing/2010/main">
+                <a:solidFill>
+                  <a:srgbClr val="FFFFFF"/>
+                </a:solidFill>
+              </a14:hiddenFill>
+            </a:ext>
+          </a:extLst>
+        </p:spPr>
+      </p:pic>
+      <p:pic>
+        <p:nvPicPr>
+          <p:cNvPr id="12" name="Picture 11"/>
+          <p:cNvPicPr>
+            <a:picLocks noChangeAspect="1"/>
+          </p:cNvPicPr>
+          <p:nvPr/>
+        </p:nvPicPr>
+        <p:blipFill>
+          <a:blip r:embed="rId8"/>
+          <a:stretch>
+            <a:fillRect/>
+          </a:stretch>
+        </p:blipFill>
+        <p:spPr>
+          <a:xfrm>
+            <a:off x="96263" y="3909396"/>
+            <a:ext cx="338543" cy="298406"/>
+          </a:xfrm>
+          <a:prstGeom prst="rect">
+            <a:avLst/>
+          </a:prstGeom>
+        </p:spPr>
+      </p:pic>
+      <p:pic>
+        <p:nvPicPr>
+          <p:cNvPr id="13" name="Picture 5" descr="http://files.softicons.com/download/sport-icons/pretty-office-vii-icons-by-custom-icon-design/png/256x256/Highlightmarker.png"/>
+          <p:cNvPicPr>
+            <a:picLocks noChangeAspect="1" noChangeArrowheads="1"/>
+          </p:cNvPicPr>
+          <p:nvPr/>
+        </p:nvPicPr>
+        <p:blipFill>
+          <a:blip r:embed="rId9">
+            <a:extLst>
+              <a:ext uri="{28A0092B-C50C-407E-A947-70E740481C1C}">
+                <a14:useLocalDpi xmlns:a14="http://schemas.microsoft.com/office/drawing/2010/main" val="0"/>
+              </a:ext>
+            </a:extLst>
+          </a:blip>
+          <a:srcRect/>
+          <a:stretch>
+            <a:fillRect/>
+          </a:stretch>
+        </p:blipFill>
+        <p:spPr bwMode="auto">
+          <a:xfrm>
+            <a:off x="151558" y="4583149"/>
+            <a:ext cx="283171" cy="283171"/>
+          </a:xfrm>
+          <a:prstGeom prst="rect">
+            <a:avLst/>
+          </a:prstGeom>
+          <a:noFill/>
+          <a:extLst>
+            <a:ext uri="{909E8E84-426E-40DD-AFC4-6F175D3DCCD1}">
+              <a14:hiddenFill xmlns:a14="http://schemas.microsoft.com/office/drawing/2010/main">
+                <a:solidFill>
+                  <a:srgbClr val="FFFFFF"/>
+                </a:solidFill>
+              </a14:hiddenFill>
+            </a:ext>
+          </a:extLst>
+        </p:spPr>
+      </p:pic>
+    </p:spTree>
+    <p:extLst>
+      <p:ext uri="{BB962C8B-B14F-4D97-AF65-F5344CB8AC3E}">
+        <p14:creationId xmlns:p14="http://schemas.microsoft.com/office/powerpoint/2010/main" val="1440058240"/>
+      </p:ext>
+    </p:extLst>
+  </p:cSld>
+  <p:clrMapOvr>
+    <a:masterClrMapping/>
+  </p:clrMapOvr>
+  <p:transition advClick="0" advTm="15000">
+    <p:cut/>
+  </p:transition>
+  <p:timing>
+    <p:tnLst>
+      <p:par>
+        <p:cTn id="1" dur="indefinite" restart="never" nodeType="tmRoot"/>
+      </p:par>
+    </p:tnLst>
+  </p:timing>
+</p:sld>
+</file>
+
+<file path=ppt/slides/slide14.xml><?xml version="1.0" encoding="utf-8"?>
+<p:sld xmlns:a="http://schemas.openxmlformats.org/drawingml/2006/main" xmlns:r="http://schemas.openxmlformats.org/officeDocument/2006/relationships" xmlns:p="http://schemas.openxmlformats.org/presentationml/2006/main">
+  <p:cSld>
+    <p:spTree>
+      <p:nvGrpSpPr>
+        <p:cNvPr id="1" name=""/>
+        <p:cNvGrpSpPr/>
+        <p:nvPr/>
+      </p:nvGrpSpPr>
+      <p:grpSpPr>
+        <a:xfrm>
+          <a:off x="0" y="0"/>
+          <a:ext cx="0" cy="0"/>
+          <a:chOff x="0" y="0"/>
+          <a:chExt cx="0" cy="0"/>
+        </a:xfrm>
+      </p:grpSpPr>
       <p:sp>
         <p:nvSpPr>
           <p:cNvPr id="6" name="Subtitle 1"/>
@@ -4278,7 +4811,6 @@
               <a:rPr lang="en-US" sz="1800" b="1" dirty="0" smtClean="0"/>
               <a:t>biojs.net                                                                 biojs.io</a:t>
             </a:r>
-            <a:endParaRPr lang="en-US" sz="1800" b="1" dirty="0" smtClean="0"/>
           </a:p>
           <a:p>
             <a:pPr algn="ctr"/>
@@ -4290,7 +4822,6 @@
               <a:rPr lang="en-GB" sz="1800" b="1" dirty="0" smtClean="0"/>
               <a:t>biojs@googlegroups.com</a:t>
             </a:r>
-            <a:endParaRPr lang="en-GB" sz="1800" b="1" dirty="0" smtClean="0"/>
           </a:p>
           <a:p>
             <a:endParaRPr lang="es-CO" sz="1800" b="1" dirty="0" smtClean="0"/>
@@ -4443,14 +4974,14 @@
           </a:effectLst>
           <a:extLst>
             <a:ext uri="{909E8E84-426E-40dd-AFC4-6F175D3DCCD1}">
-              <a14:hiddenFill xmlns="" xmlns:a14="http://schemas.microsoft.com/office/drawing/2010/main">
+              <a14:hiddenFill xmlns:a14="http://schemas.microsoft.com/office/drawing/2010/main" xmlns="">
                 <a:solidFill>
                   <a:srgbClr val="FFFFFF"/>
                 </a:solidFill>
               </a14:hiddenFill>
             </a:ext>
             <a:ext uri="{91240B29-F687-4f45-9708-019B960494DF}">
-              <a14:hiddenLine xmlns="" xmlns:a14="http://schemas.microsoft.com/office/drawing/2010/main" w="9525">
+              <a14:hiddenLine xmlns:a14="http://schemas.microsoft.com/office/drawing/2010/main" xmlns="" w="9525">
                 <a:solidFill>
                   <a:srgbClr val="000000"/>
                 </a:solidFill>
@@ -4691,7 +5222,7 @@
               <a:pPr>
                 <a:defRPr/>
               </a:pPr>
-              <a:t>26.11.2015</a:t>
+              <a:t>02/12/2015</a:t>
             </a:fld>
             <a:endParaRPr lang="en-GB" dirty="0"/>
           </a:p>
@@ -4877,7 +5408,7 @@
               <a:pPr>
                 <a:defRPr/>
               </a:pPr>
-              <a:t>26/11/2015</a:t>
+              <a:t>02/12/2015</a:t>
             </a:fld>
             <a:endParaRPr lang="en-GB" dirty="0"/>
           </a:p>
@@ -5128,7 +5659,7 @@
               <a:pPr>
                 <a:defRPr/>
               </a:pPr>
-              <a:t>26/11/2015</a:t>
+              <a:t>02/12/2015</a:t>
             </a:fld>
             <a:endParaRPr lang="en-GB" dirty="0"/>
           </a:p>
@@ -6096,7 +6627,7 @@
               <a:pPr>
                 <a:defRPr/>
               </a:pPr>
-              <a:t>26/11/2015</a:t>
+              <a:t>02/12/2015</a:t>
             </a:fld>
             <a:endParaRPr lang="en-GB" dirty="0"/>
           </a:p>
@@ -7462,7 +7993,7 @@
               <a:pPr>
                 <a:defRPr/>
               </a:pPr>
-              <a:t>26/11/2015</a:t>
+              <a:t>02/12/2015</a:t>
             </a:fld>
             <a:endParaRPr lang="en-GB" dirty="0"/>
           </a:p>
@@ -9075,7 +9606,7 @@
               <a:pPr>
                 <a:defRPr/>
               </a:pPr>
-              <a:t>26/11/2015</a:t>
+              <a:t>02/12/2015</a:t>
             </a:fld>
             <a:endParaRPr lang="en-GB" dirty="0"/>
           </a:p>
@@ -9324,7 +9855,7 @@
               <a:pPr>
                 <a:defRPr/>
               </a:pPr>
-              <a:t>26/11/2015</a:t>
+              <a:t>02/12/2015</a:t>
             </a:fld>
             <a:endParaRPr lang="en-GB" dirty="0"/>
           </a:p>
@@ -9669,7 +10200,7 @@
               <a:pPr>
                 <a:defRPr/>
               </a:pPr>
-              <a:t>26/11/2015</a:t>
+              <a:t>02/12/2015</a:t>
             </a:fld>
             <a:endParaRPr lang="en-GB" dirty="0"/>
           </a:p>
